--- a/reading-material/Digital_Dojo_-_2021-04-08.pptx
+++ b/reading-material/Digital_Dojo_-_2021-04-08.pptx
@@ -211,7 +211,7 @@
           <a:p>
             <a:fld id="{A52439B5-08E9-4CAC-B3D6-04D75247A085}" type="datetimeFigureOut">
               <a:rPr lang="en-CA" smtClean="0"/>
-              <a:t>2021-04-08</a:t>
+              <a:t>2021-04-09</a:t>
             </a:fld>
             <a:endParaRPr lang="en-CA"/>
           </a:p>
@@ -580,6 +580,90 @@
 </p:notes>
 </file>
 
+<file path=ppt/notesSlides/notesSlide10.xml><?xml version="1.0" encoding="utf-8"?>
+<p:notes xmlns:a="http://schemas.openxmlformats.org/drawingml/2006/main" xmlns:r="http://schemas.openxmlformats.org/officeDocument/2006/relationships" xmlns:p="http://schemas.openxmlformats.org/presentationml/2006/main">
+  <p:cSld>
+    <p:spTree>
+      <p:nvGrpSpPr>
+        <p:cNvPr id="1" name=""/>
+        <p:cNvGrpSpPr/>
+        <p:nvPr/>
+      </p:nvGrpSpPr>
+      <p:grpSpPr>
+        <a:xfrm>
+          <a:off x="0" y="0"/>
+          <a:ext cx="0" cy="0"/>
+          <a:chOff x="0" y="0"/>
+          <a:chExt cx="0" cy="0"/>
+        </a:xfrm>
+      </p:grpSpPr>
+      <p:sp>
+        <p:nvSpPr>
+          <p:cNvPr id="2" name="Slide Image Placeholder 1"/>
+          <p:cNvSpPr>
+            <a:spLocks noGrp="1" noRot="1" noChangeAspect="1"/>
+          </p:cNvSpPr>
+          <p:nvPr>
+            <p:ph type="sldImg"/>
+          </p:nvPr>
+        </p:nvSpPr>
+        <p:spPr/>
+      </p:sp>
+      <p:sp>
+        <p:nvSpPr>
+          <p:cNvPr id="3" name="Notes Placeholder 2"/>
+          <p:cNvSpPr>
+            <a:spLocks noGrp="1"/>
+          </p:cNvSpPr>
+          <p:nvPr>
+            <p:ph type="body" idx="1"/>
+          </p:nvPr>
+        </p:nvSpPr>
+        <p:spPr/>
+        <p:txBody>
+          <a:bodyPr/>
+          <a:lstStyle/>
+          <a:p>
+            <a:endParaRPr lang="en-CA" dirty="0"/>
+          </a:p>
+        </p:txBody>
+      </p:sp>
+      <p:sp>
+        <p:nvSpPr>
+          <p:cNvPr id="4" name="Slide Number Placeholder 3"/>
+          <p:cNvSpPr>
+            <a:spLocks noGrp="1"/>
+          </p:cNvSpPr>
+          <p:nvPr>
+            <p:ph type="sldNum" sz="quarter" idx="10"/>
+          </p:nvPr>
+        </p:nvSpPr>
+        <p:spPr/>
+        <p:txBody>
+          <a:bodyPr/>
+          <a:lstStyle/>
+          <a:p>
+            <a:fld id="{ACAA31CD-4CEB-4566-A163-8786364CFE8A}" type="slidenum">
+              <a:rPr lang="en-CA" smtClean="0"/>
+              <a:t>15</a:t>
+            </a:fld>
+            <a:endParaRPr lang="en-CA"/>
+          </a:p>
+        </p:txBody>
+      </p:sp>
+    </p:spTree>
+    <p:extLst>
+      <p:ext uri="{BB962C8B-B14F-4D97-AF65-F5344CB8AC3E}">
+        <p14:creationId xmlns:p14="http://schemas.microsoft.com/office/powerpoint/2010/main" val="325202546"/>
+      </p:ext>
+    </p:extLst>
+  </p:cSld>
+  <p:clrMapOvr>
+    <a:masterClrMapping/>
+  </p:clrMapOvr>
+</p:notes>
+</file>
+
 <file path=ppt/notesSlides/notesSlide2.xml><?xml version="1.0" encoding="utf-8"?>
 <p:notes xmlns:a="http://schemas.openxmlformats.org/drawingml/2006/main" xmlns:r="http://schemas.openxmlformats.org/officeDocument/2006/relationships" xmlns:p="http://schemas.openxmlformats.org/presentationml/2006/main">
   <p:cSld>
@@ -1397,7 +1481,7 @@
           <a:p>
             <a:fld id="{C63D5150-E448-4B46-951D-702317A8AE66}" type="datetimeFigureOut">
               <a:rPr lang="en-CA" smtClean="0"/>
-              <a:t>2021-04-08</a:t>
+              <a:t>2021-04-09</a:t>
             </a:fld>
             <a:endParaRPr lang="en-CA"/>
           </a:p>
@@ -2413,7 +2497,7 @@
           <a:p>
             <a:fld id="{C63D5150-E448-4B46-951D-702317A8AE66}" type="datetimeFigureOut">
               <a:rPr lang="en-CA" smtClean="0"/>
-              <a:t>2021-04-08</a:t>
+              <a:t>2021-04-09</a:t>
             </a:fld>
             <a:endParaRPr lang="en-CA"/>
           </a:p>
@@ -2623,7 +2707,7 @@
           <a:p>
             <a:fld id="{C63D5150-E448-4B46-951D-702317A8AE66}" type="datetimeFigureOut">
               <a:rPr lang="en-CA" smtClean="0"/>
-              <a:t>2021-04-08</a:t>
+              <a:t>2021-04-09</a:t>
             </a:fld>
             <a:endParaRPr lang="en-CA"/>
           </a:p>
@@ -4029,7 +4113,7 @@
           <a:p>
             <a:fld id="{C63D5150-E448-4B46-951D-702317A8AE66}" type="datetimeFigureOut">
               <a:rPr lang="en-CA" smtClean="0"/>
-              <a:t>2021-04-08</a:t>
+              <a:t>2021-04-09</a:t>
             </a:fld>
             <a:endParaRPr lang="en-CA"/>
           </a:p>
@@ -4171,7 +4255,7 @@
           <a:p>
             <a:fld id="{C63D5150-E448-4B46-951D-702317A8AE66}" type="datetimeFigureOut">
               <a:rPr lang="en-CA" smtClean="0"/>
-              <a:t>2021-04-08</a:t>
+              <a:t>2021-04-09</a:t>
             </a:fld>
             <a:endParaRPr lang="en-CA"/>
           </a:p>
@@ -4447,7 +4531,7 @@
           <a:p>
             <a:fld id="{C63D5150-E448-4B46-951D-702317A8AE66}" type="datetimeFigureOut">
               <a:rPr lang="en-CA" smtClean="0"/>
-              <a:t>2021-04-08</a:t>
+              <a:t>2021-04-09</a:t>
             </a:fld>
             <a:endParaRPr lang="en-CA"/>
           </a:p>
@@ -4715,7 +4799,7 @@
           <a:p>
             <a:fld id="{C63D5150-E448-4B46-951D-702317A8AE66}" type="datetimeFigureOut">
               <a:rPr lang="en-CA" smtClean="0"/>
-              <a:t>2021-04-08</a:t>
+              <a:t>2021-04-09</a:t>
             </a:fld>
             <a:endParaRPr lang="en-CA"/>
           </a:p>
@@ -5130,7 +5214,7 @@
           <a:p>
             <a:fld id="{C63D5150-E448-4B46-951D-702317A8AE66}" type="datetimeFigureOut">
               <a:rPr lang="en-CA" smtClean="0"/>
-              <a:t>2021-04-08</a:t>
+              <a:t>2021-04-09</a:t>
             </a:fld>
             <a:endParaRPr lang="en-CA"/>
           </a:p>
@@ -5243,7 +5327,7 @@
           <a:p>
             <a:fld id="{C63D5150-E448-4B46-951D-702317A8AE66}" type="datetimeFigureOut">
               <a:rPr lang="en-CA" smtClean="0"/>
-              <a:t>2021-04-08</a:t>
+              <a:t>2021-04-09</a:t>
             </a:fld>
             <a:endParaRPr lang="en-CA"/>
           </a:p>
@@ -5556,7 +5640,7 @@
           <a:p>
             <a:fld id="{C63D5150-E448-4B46-951D-702317A8AE66}" type="datetimeFigureOut">
               <a:rPr lang="en-CA" smtClean="0"/>
-              <a:t>2021-04-08</a:t>
+              <a:t>2021-04-09</a:t>
             </a:fld>
             <a:endParaRPr lang="en-CA"/>
           </a:p>
@@ -5845,7 +5929,7 @@
           <a:p>
             <a:fld id="{C63D5150-E448-4B46-951D-702317A8AE66}" type="datetimeFigureOut">
               <a:rPr lang="en-CA" smtClean="0"/>
-              <a:t>2021-04-08</a:t>
+              <a:t>2021-04-09</a:t>
             </a:fld>
             <a:endParaRPr lang="en-CA"/>
           </a:p>
@@ -6088,7 +6172,7 @@
           <a:p>
             <a:fld id="{C63D5150-E448-4B46-951D-702317A8AE66}" type="datetimeFigureOut">
               <a:rPr lang="en-CA" smtClean="0"/>
-              <a:t>2021-04-08</a:t>
+              <a:t>2021-04-09</a:t>
             </a:fld>
             <a:endParaRPr lang="en-CA"/>
           </a:p>
@@ -7062,7 +7146,7 @@
             <a:blip r:embed="rId3">
               <a:extLst>
                 <a:ext uri="{96DAC541-7B7A-43D3-8B79-37D633B846F1}">
-                  <asvg:svgBlip xmlns="" xmlns:asvg="http://schemas.microsoft.com/office/drawing/2016/SVG/main" r:embed="rId4"/>
+                  <asvg:svgBlip xmlns:asvg="http://schemas.microsoft.com/office/drawing/2016/SVG/main" xmlns="" r:embed="rId4"/>
                 </a:ext>
               </a:extLst>
             </a:blip>
@@ -7574,7 +7658,7 @@
             <a:blip r:embed="rId3">
               <a:extLst>
                 <a:ext uri="{96DAC541-7B7A-43D3-8B79-37D633B846F1}">
-                  <asvg:svgBlip xmlns="" xmlns:asvg="http://schemas.microsoft.com/office/drawing/2016/SVG/main" r:embed="rId4"/>
+                  <asvg:svgBlip xmlns:asvg="http://schemas.microsoft.com/office/drawing/2016/SVG/main" xmlns="" r:embed="rId4"/>
                 </a:ext>
               </a:extLst>
             </a:blip>
@@ -9395,7 +9479,7 @@
                 <a14:useLocalDpi xmlns:a14="http://schemas.microsoft.com/office/drawing/2010/main" val="0"/>
               </a:ext>
               <a:ext uri="{96DAC541-7B7A-43D3-8B79-37D633B846F1}">
-                <asvg:svgBlip xmlns="" xmlns:asvg="http://schemas.microsoft.com/office/drawing/2016/SVG/main" r:embed="rId3"/>
+                <asvg:svgBlip xmlns:asvg="http://schemas.microsoft.com/office/drawing/2016/SVG/main" xmlns="" r:embed="rId3"/>
               </a:ext>
             </a:extLst>
           </a:blip>
@@ -9978,7 +10062,7 @@
                 <a14:useLocalDpi xmlns:a14="http://schemas.microsoft.com/office/drawing/2010/main" val="0"/>
               </a:ext>
               <a:ext uri="{96DAC541-7B7A-43D3-8B79-37D633B846F1}">
-                <asvg:svgBlip xmlns="" xmlns:asvg="http://schemas.microsoft.com/office/drawing/2016/SVG/main" r:embed="rId5"/>
+                <asvg:svgBlip xmlns:asvg="http://schemas.microsoft.com/office/drawing/2016/SVG/main" xmlns="" r:embed="rId5"/>
               </a:ext>
             </a:extLst>
           </a:blip>
@@ -10122,7 +10206,7 @@
           <a:blip r:embed="rId6">
             <a:extLst>
               <a:ext uri="{96DAC541-7B7A-43D3-8B79-37D633B846F1}">
-                <asvg:svgBlip xmlns="" xmlns:asvg="http://schemas.microsoft.com/office/drawing/2016/SVG/main" r:embed="rId7"/>
+                <asvg:svgBlip xmlns:asvg="http://schemas.microsoft.com/office/drawing/2016/SVG/main" xmlns="" r:embed="rId7"/>
               </a:ext>
             </a:extLst>
           </a:blip>
@@ -10158,7 +10242,7 @@
           <a:blip r:embed="rId8">
             <a:extLst>
               <a:ext uri="{96DAC541-7B7A-43D3-8B79-37D633B846F1}">
-                <asvg:svgBlip xmlns="" xmlns:asvg="http://schemas.microsoft.com/office/drawing/2016/SVG/main" r:embed="rId9"/>
+                <asvg:svgBlip xmlns:asvg="http://schemas.microsoft.com/office/drawing/2016/SVG/main" xmlns="" r:embed="rId9"/>
               </a:ext>
             </a:extLst>
           </a:blip>
@@ -10889,7 +10973,7 @@
           <p:nvPr/>
         </p:nvPicPr>
         <p:blipFill rotWithShape="1">
-          <a:blip r:embed="rId2">
+          <a:blip r:embed="rId3">
             <a:extLst>
               <a:ext uri="{28A0092B-C50C-407E-A947-70E740481C1C}">
                 <a14:useLocalDpi xmlns:a14="http://schemas.microsoft.com/office/drawing/2010/main" val="0"/>
@@ -11596,10 +11680,10 @@
       </p:grpSp>
       <p:grpSp>
         <p:nvGrpSpPr>
-          <p:cNvPr id="7173" name="Group 7172">
+          <p:cNvPr id="7174" name="Group 7173">
             <a:extLst>
               <a:ext uri="{FF2B5EF4-FFF2-40B4-BE49-F238E27FC236}">
-                <a16:creationId xmlns:a16="http://schemas.microsoft.com/office/drawing/2014/main" id="{A9DCAFCD-CC58-4E80-887E-643E56EAF016}"/>
+                <a16:creationId xmlns:a16="http://schemas.microsoft.com/office/drawing/2014/main" id="{A792784A-6B0B-4DCD-8BD6-48A69AC97578}"/>
               </a:ext>
             </a:extLst>
           </p:cNvPr>
@@ -11608,126 +11692,7 @@
         </p:nvGrpSpPr>
         <p:grpSpPr>
           <a:xfrm>
-            <a:off x="386790" y="4975539"/>
-            <a:ext cx="1085316" cy="1085316"/>
-            <a:chOff x="486087" y="4670478"/>
-            <a:chExt cx="1085316" cy="1085316"/>
-          </a:xfrm>
-        </p:grpSpPr>
-        <p:sp>
-          <p:nvSpPr>
-            <p:cNvPr id="28" name="Oval 27">
-              <a:extLst>
-                <a:ext uri="{FF2B5EF4-FFF2-40B4-BE49-F238E27FC236}">
-                  <a16:creationId xmlns:a16="http://schemas.microsoft.com/office/drawing/2014/main" id="{5BF2FDF7-37B0-43AC-BBE8-EBBDE6AF7D35}"/>
-                </a:ext>
-              </a:extLst>
-            </p:cNvPr>
-            <p:cNvSpPr/>
-            <p:nvPr/>
-          </p:nvSpPr>
-          <p:spPr>
-            <a:xfrm>
-              <a:off x="486087" y="4670478"/>
-              <a:ext cx="1085316" cy="1085316"/>
-            </a:xfrm>
-            <a:prstGeom prst="ellipse">
-              <a:avLst/>
-            </a:prstGeom>
-            <a:solidFill>
-              <a:schemeClr val="bg1"/>
-            </a:solidFill>
-            <a:ln>
-              <a:noFill/>
-            </a:ln>
-            <a:effectLst>
-              <a:outerShdw blurRad="50800" dist="38100" dir="2700000" algn="tl" rotWithShape="0">
-                <a:prstClr val="black">
-                  <a:alpha val="40000"/>
-                </a:prstClr>
-              </a:outerShdw>
-            </a:effectLst>
-          </p:spPr>
-          <p:style>
-            <a:lnRef idx="2">
-              <a:schemeClr val="accent1">
-                <a:shade val="50000"/>
-              </a:schemeClr>
-            </a:lnRef>
-            <a:fillRef idx="1">
-              <a:schemeClr val="accent1"/>
-            </a:fillRef>
-            <a:effectRef idx="0">
-              <a:schemeClr val="accent1"/>
-            </a:effectRef>
-            <a:fontRef idx="minor">
-              <a:schemeClr val="lt1"/>
-            </a:fontRef>
-          </p:style>
-          <p:txBody>
-            <a:bodyPr rtlCol="0" anchor="ctr"/>
-            <a:lstStyle/>
-            <a:p>
-              <a:pPr algn="ctr"/>
-              <a:endParaRPr lang="en-CA"/>
-            </a:p>
-          </p:txBody>
-        </p:sp>
-        <p:pic>
-          <p:nvPicPr>
-            <p:cNvPr id="19" name="Graphic 18" descr="Speaker Phone">
-              <a:extLst>
-                <a:ext uri="{FF2B5EF4-FFF2-40B4-BE49-F238E27FC236}">
-                  <a16:creationId xmlns:a16="http://schemas.microsoft.com/office/drawing/2014/main" id="{33982AED-85C7-455D-B9DD-617468DC0593}"/>
-                </a:ext>
-              </a:extLst>
-            </p:cNvPr>
-            <p:cNvPicPr>
-              <a:picLocks noChangeAspect="1"/>
-            </p:cNvPicPr>
-            <p:nvPr/>
-          </p:nvPicPr>
-          <p:blipFill>
-            <a:blip r:embed="rId3" cstate="hqprint">
-              <a:extLst>
-                <a:ext uri="{28A0092B-C50C-407E-A947-70E740481C1C}">
-                  <a14:useLocalDpi xmlns:a14="http://schemas.microsoft.com/office/drawing/2010/main" val="0"/>
-                </a:ext>
-                <a:ext uri="{96DAC541-7B7A-43D3-8B79-37D633B846F1}">
-                  <asvg:svgBlip xmlns="" xmlns:asvg="http://schemas.microsoft.com/office/drawing/2016/SVG/main" r:embed="rId4"/>
-                </a:ext>
-              </a:extLst>
-            </a:blip>
-            <a:stretch>
-              <a:fillRect/>
-            </a:stretch>
-          </p:blipFill>
-          <p:spPr>
-            <a:xfrm>
-              <a:off x="571545" y="4765461"/>
-              <a:ext cx="914400" cy="914400"/>
-            </a:xfrm>
-            <a:prstGeom prst="rect">
-              <a:avLst/>
-            </a:prstGeom>
-          </p:spPr>
-        </p:pic>
-      </p:grpSp>
-      <p:grpSp>
-        <p:nvGrpSpPr>
-          <p:cNvPr id="7174" name="Group 7173">
-            <a:extLst>
-              <a:ext uri="{FF2B5EF4-FFF2-40B4-BE49-F238E27FC236}">
-                <a16:creationId xmlns:a16="http://schemas.microsoft.com/office/drawing/2014/main" id="{A792784A-6B0B-4DCD-8BD6-48A69AC97578}"/>
-              </a:ext>
-            </a:extLst>
-          </p:cNvPr>
-          <p:cNvGrpSpPr/>
-          <p:nvPr/>
-        </p:nvGrpSpPr>
-        <p:grpSpPr>
-          <a:xfrm>
-            <a:off x="2262544" y="4985064"/>
+            <a:off x="2351723" y="4543959"/>
             <a:ext cx="1085316" cy="1085316"/>
             <a:chOff x="2361841" y="4680003"/>
             <a:chExt cx="1085316" cy="1085316"/>
@@ -11807,13 +11772,13 @@
             <p:nvPr/>
           </p:nvPicPr>
           <p:blipFill>
-            <a:blip r:embed="rId5" cstate="hqprint">
+            <a:blip r:embed="rId4" cstate="hqprint">
               <a:extLst>
                 <a:ext uri="{28A0092B-C50C-407E-A947-70E740481C1C}">
                   <a14:useLocalDpi xmlns:a14="http://schemas.microsoft.com/office/drawing/2010/main" val="0"/>
                 </a:ext>
                 <a:ext uri="{96DAC541-7B7A-43D3-8B79-37D633B846F1}">
-                  <asvg:svgBlip xmlns="" xmlns:asvg="http://schemas.microsoft.com/office/drawing/2016/SVG/main" r:embed="rId6"/>
+                  <asvg:svgBlip xmlns:asvg="http://schemas.microsoft.com/office/drawing/2016/SVG/main" xmlns="" r:embed="rId6"/>
                 </a:ext>
               </a:extLst>
             </a:blip>
@@ -11832,125 +11797,61 @@
           </p:spPr>
         </p:pic>
       </p:grpSp>
-      <p:grpSp>
-        <p:nvGrpSpPr>
-          <p:cNvPr id="7175" name="Group 7174">
-            <a:extLst>
-              <a:ext uri="{FF2B5EF4-FFF2-40B4-BE49-F238E27FC236}">
-                <a16:creationId xmlns:a16="http://schemas.microsoft.com/office/drawing/2014/main" id="{22BE231D-23D6-42F0-9B0D-5FB7D3FD7C9D}"/>
-              </a:ext>
-            </a:extLst>
-          </p:cNvPr>
-          <p:cNvGrpSpPr/>
+      <p:sp>
+        <p:nvSpPr>
+          <p:cNvPr id="2" name="Rectangle 1"/>
+          <p:cNvSpPr/>
           <p:nvPr/>
-        </p:nvGrpSpPr>
-        <p:grpSpPr>
+        </p:nvSpPr>
+        <p:spPr>
           <a:xfrm>
-            <a:off x="4138298" y="4985064"/>
-            <a:ext cx="1085316" cy="1085316"/>
-            <a:chOff x="4237595" y="4680003"/>
-            <a:chExt cx="1085316" cy="1085316"/>
+            <a:off x="183029" y="5753665"/>
+            <a:ext cx="5422703" cy="923330"/>
           </a:xfrm>
-        </p:grpSpPr>
-        <p:sp>
-          <p:nvSpPr>
-            <p:cNvPr id="30" name="Oval 29">
-              <a:extLst>
-                <a:ext uri="{FF2B5EF4-FFF2-40B4-BE49-F238E27FC236}">
-                  <a16:creationId xmlns:a16="http://schemas.microsoft.com/office/drawing/2014/main" id="{E26592E5-BD6A-4628-9FBF-91DF107E9495}"/>
-                </a:ext>
-              </a:extLst>
-            </p:cNvPr>
-            <p:cNvSpPr/>
-            <p:nvPr/>
-          </p:nvSpPr>
-          <p:spPr>
-            <a:xfrm>
-              <a:off x="4237595" y="4680003"/>
-              <a:ext cx="1085316" cy="1085316"/>
-            </a:xfrm>
-            <a:prstGeom prst="ellipse">
-              <a:avLst/>
-            </a:prstGeom>
-            <a:solidFill>
-              <a:schemeClr val="bg1"/>
-            </a:solidFill>
-            <a:ln>
-              <a:noFill/>
-            </a:ln>
-            <a:effectLst>
-              <a:outerShdw blurRad="50800" dist="38100" dir="2700000" algn="tl" rotWithShape="0">
-                <a:prstClr val="black">
-                  <a:alpha val="40000"/>
-                </a:prstClr>
-              </a:outerShdw>
-            </a:effectLst>
-          </p:spPr>
-          <p:style>
-            <a:lnRef idx="2">
-              <a:schemeClr val="accent1">
-                <a:shade val="50000"/>
-              </a:schemeClr>
-            </a:lnRef>
-            <a:fillRef idx="1">
-              <a:schemeClr val="accent1"/>
-            </a:fillRef>
-            <a:effectRef idx="0">
-              <a:schemeClr val="accent1"/>
-            </a:effectRef>
-            <a:fontRef idx="minor">
-              <a:schemeClr val="lt1"/>
-            </a:fontRef>
-          </p:style>
-          <p:txBody>
-            <a:bodyPr rtlCol="0" anchor="ctr"/>
-            <a:lstStyle/>
-            <a:p>
-              <a:pPr algn="ctr"/>
-              <a:endParaRPr lang="en-CA"/>
-            </a:p>
-          </p:txBody>
-        </p:sp>
-        <p:pic>
-          <p:nvPicPr>
-            <p:cNvPr id="7171" name="Graphic 7170" descr="Internet">
-              <a:extLst>
-                <a:ext uri="{FF2B5EF4-FFF2-40B4-BE49-F238E27FC236}">
-                  <a16:creationId xmlns:a16="http://schemas.microsoft.com/office/drawing/2014/main" id="{AA16CAF6-5996-4B65-B098-918AD026580A}"/>
-                </a:ext>
-              </a:extLst>
-            </p:cNvPr>
-            <p:cNvPicPr>
-              <a:picLocks noChangeAspect="1"/>
-            </p:cNvPicPr>
-            <p:nvPr/>
-          </p:nvPicPr>
-          <p:blipFill>
-            <a:blip r:embed="rId7" cstate="hqprint">
-              <a:extLst>
-                <a:ext uri="{28A0092B-C50C-407E-A947-70E740481C1C}">
-                  <a14:useLocalDpi xmlns:a14="http://schemas.microsoft.com/office/drawing/2010/main" val="0"/>
-                </a:ext>
-                <a:ext uri="{96DAC541-7B7A-43D3-8B79-37D633B846F1}">
-                  <asvg:svgBlip xmlns="" xmlns:asvg="http://schemas.microsoft.com/office/drawing/2016/SVG/main" r:embed="rId8"/>
-                </a:ext>
-              </a:extLst>
-            </a:blip>
-            <a:stretch>
-              <a:fillRect/>
-            </a:stretch>
-          </p:blipFill>
-          <p:spPr>
-            <a:xfrm>
-              <a:off x="4370678" y="4800600"/>
-              <a:ext cx="832329" cy="832329"/>
-            </a:xfrm>
-            <a:prstGeom prst="rect">
-              <a:avLst/>
-            </a:prstGeom>
-          </p:spPr>
-        </p:pic>
-      </p:grpSp>
+          <a:prstGeom prst="rect">
+            <a:avLst/>
+          </a:prstGeom>
+        </p:spPr>
+        <p:txBody>
+          <a:bodyPr wrap="none">
+            <a:spAutoFit/>
+          </a:bodyPr>
+          <a:lstStyle/>
+          <a:p>
+            <a:r>
+              <a:rPr lang="en-CA" b="1" dirty="0" smtClean="0">
+                <a:solidFill>
+                  <a:schemeClr val="bg1"/>
+                </a:solidFill>
+              </a:rPr>
+              <a:t>EDSC.DGIIT.STNDojoDTSDojo.IITB.ESDC@hrdc-drhc.net</a:t>
+            </a:r>
+            <a:br>
+              <a:rPr lang="en-CA" b="1" dirty="0" smtClean="0">
+                <a:solidFill>
+                  <a:schemeClr val="bg1"/>
+                </a:solidFill>
+              </a:rPr>
+            </a:br>
+            <a:endParaRPr lang="en-CA" b="1" dirty="0" smtClean="0">
+              <a:solidFill>
+                <a:schemeClr val="bg1"/>
+              </a:solidFill>
+            </a:endParaRPr>
+          </a:p>
+          <a:p>
+            <a:pPr algn="ctr"/>
+            <a:r>
+              <a:rPr lang="en-CA" b="1" dirty="0">
+                <a:solidFill>
+                  <a:schemeClr val="bg1"/>
+                </a:solidFill>
+              </a:rPr>
+              <a:t>stephanie.deguire@hrsdc-rhdcc.gc.ca</a:t>
+            </a:r>
+          </a:p>
+        </p:txBody>
+      </p:sp>
     </p:spTree>
     <p:extLst>
       <p:ext uri="{BB962C8B-B14F-4D97-AF65-F5344CB8AC3E}">
@@ -12066,6 +11967,27 @@
               <a:defRPr/>
             </a:pPr>
             <a:r>
+              <a:rPr kumimoji="0" lang="en-US" sz="4400" b="1" i="0" u="none" strike="noStrike" kern="1200" cap="none" spc="0" normalizeH="0" baseline="0" noProof="0" dirty="0" smtClean="0">
+                <a:ln>
+                  <a:noFill/>
+                </a:ln>
+                <a:solidFill>
+                  <a:schemeClr val="tx1">
+                    <a:lumMod val="75000"/>
+                    <a:lumOff val="25000"/>
+                  </a:schemeClr>
+                </a:solidFill>
+                <a:effectLst/>
+                <a:uLnTx/>
+                <a:uFillTx/>
+                <a:latin typeface="Century Gothic" panose="020B0502020202020204" pitchFamily="34" charset="0"/>
+                <a:ea typeface="+mn-ea"/>
+                <a:cs typeface="+mn-cs"/>
+                <a:sym typeface="Calibri"/>
+              </a:rPr>
+              <a:t>Change </a:t>
+            </a:r>
+            <a:r>
               <a:rPr kumimoji="0" lang="en-US" sz="4400" b="1" i="0" u="none" strike="noStrike" kern="1200" cap="none" spc="0" normalizeH="0" baseline="0" noProof="0" dirty="0">
                 <a:ln>
                   <a:noFill/>
@@ -12084,7 +12006,7 @@
                 <a:cs typeface="+mn-cs"/>
                 <a:sym typeface="Calibri"/>
               </a:rPr>
-              <a:t>Modernizing is hard</a:t>
+              <a:t>is hard</a:t>
             </a:r>
             <a:endParaRPr kumimoji="0" lang="en-CA" sz="4400" b="0" i="0" u="none" strike="noStrike" kern="1200" cap="none" spc="0" normalizeH="0" baseline="0" noProof="0" dirty="0">
               <a:ln>
@@ -12114,7 +12036,7 @@
                 <a16:creationId xmlns:a16="http://schemas.microsoft.com/office/drawing/2014/main" id="{F11DE9CC-89E6-4E6C-AF4E-7C91A625C951}"/>
               </a:ext>
               <a:ext uri="{C183D7F6-B498-43B3-948B-1728B52AA6E4}">
-                <adec:decorative xmlns="" xmlns:adec="http://schemas.microsoft.com/office/drawing/2017/decorative" val="1"/>
+                <adec:decorative xmlns:adec="http://schemas.microsoft.com/office/drawing/2017/decorative" xmlns="" val="1"/>
               </a:ext>
             </a:extLst>
           </p:cNvPr>
@@ -12361,7 +12283,7 @@
                 <a16:creationId xmlns:a16="http://schemas.microsoft.com/office/drawing/2014/main" id="{E8487599-5B9A-4105-9A4C-819E4C14459C}"/>
               </a:ext>
               <a:ext uri="{C183D7F6-B498-43B3-948B-1728B52AA6E4}">
-                <adec:decorative xmlns="" xmlns:adec="http://schemas.microsoft.com/office/drawing/2017/decorative" val="1"/>
+                <adec:decorative xmlns:adec="http://schemas.microsoft.com/office/drawing/2017/decorative" xmlns="" val="1"/>
               </a:ext>
             </a:extLst>
           </p:cNvPr>
@@ -12425,7 +12347,7 @@
         <p:spPr>
           <a:xfrm>
             <a:off x="5065712" y="2088131"/>
-            <a:ext cx="3841750" cy="3139321"/>
+            <a:ext cx="3841750" cy="3477875"/>
           </a:xfrm>
           <a:prstGeom prst="rect">
             <a:avLst/>
@@ -12498,6 +12420,14 @@
           </a:p>
           <a:p>
             <a:pPr algn="ctr"/>
+            <a:endParaRPr lang="en-CA" sz="2200" dirty="0" smtClean="0">
+              <a:solidFill>
+                <a:schemeClr val="bg1"/>
+              </a:solidFill>
+            </a:endParaRPr>
+          </a:p>
+          <a:p>
+            <a:pPr algn="ctr"/>
             <a:endParaRPr lang="en-CA" sz="2200" dirty="0">
               <a:solidFill>
                 <a:schemeClr val="bg1"/>
@@ -12525,7 +12455,7 @@
                 <a16:creationId xmlns:a16="http://schemas.microsoft.com/office/drawing/2014/main" id="{FB984AF3-05D0-4E7D-8B5E-FB5E87FBC784}"/>
               </a:ext>
               <a:ext uri="{C183D7F6-B498-43B3-948B-1728B52AA6E4}">
-                <adec:decorative xmlns="" xmlns:adec="http://schemas.microsoft.com/office/drawing/2017/decorative" val="1"/>
+                <adec:decorative xmlns:adec="http://schemas.microsoft.com/office/drawing/2017/decorative" xmlns="" val="1"/>
               </a:ext>
             </a:extLst>
           </p:cNvPr>
@@ -12624,7 +12554,7 @@
         <p:spPr>
           <a:xfrm>
             <a:off x="1084262" y="4678143"/>
-            <a:ext cx="3565525" cy="1015663"/>
+            <a:ext cx="3565525" cy="1323439"/>
           </a:xfrm>
           <a:prstGeom prst="rect">
             <a:avLst/>
@@ -12639,20 +12569,12 @@
           <a:p>
             <a:pPr algn="ctr"/>
             <a:r>
-              <a:rPr lang="en-CA" sz="2000" b="1" dirty="0">
-                <a:solidFill>
-                  <a:srgbClr val="7074B3"/>
-                </a:solidFill>
-              </a:rPr>
-              <a:t>Teams can feel overwhelmed, and unprepared to deliver in </a:t>
-            </a:r>
-            <a:r>
               <a:rPr lang="en-CA" sz="2000" b="1" dirty="0" smtClean="0">
                 <a:solidFill>
                   <a:srgbClr val="7074B3"/>
                 </a:solidFill>
               </a:rPr>
-              <a:t>new ways.</a:t>
+              <a:t>After years of status quo, teams can feel overwhelmed, and unprepared to deliver in new ways.</a:t>
             </a:r>
             <a:endParaRPr lang="en-CA" sz="2000" b="1" dirty="0">
               <a:solidFill>
@@ -12670,7 +12592,7 @@
                 <a16:creationId xmlns:a16="http://schemas.microsoft.com/office/drawing/2014/main" id="{6E81D5B3-1C3F-4023-B3C9-9350147D8D17}"/>
               </a:ext>
               <a:ext uri="{C183D7F6-B498-43B3-948B-1728B52AA6E4}">
-                <adec:decorative xmlns="" xmlns:adec="http://schemas.microsoft.com/office/drawing/2017/decorative" val="1"/>
+                <adec:decorative xmlns:adec="http://schemas.microsoft.com/office/drawing/2017/decorative" xmlns="" val="1"/>
               </a:ext>
             </a:extLst>
           </p:cNvPr>
@@ -13048,7 +12970,7 @@
                 <a16:creationId xmlns:a16="http://schemas.microsoft.com/office/drawing/2014/main" id="{11A8FBDA-0B86-44F8-9AAB-D870492EB73A}"/>
               </a:ext>
               <a:ext uri="{C183D7F6-B498-43B3-948B-1728B52AA6E4}">
-                <adec:decorative xmlns="" xmlns:adec="http://schemas.microsoft.com/office/drawing/2017/decorative" val="1"/>
+                <adec:decorative xmlns:adec="http://schemas.microsoft.com/office/drawing/2017/decorative" xmlns="" val="1"/>
               </a:ext>
             </a:extLst>
           </p:cNvPr>
@@ -13235,7 +13157,7 @@
                 <a16:creationId xmlns:a16="http://schemas.microsoft.com/office/drawing/2014/main" id="{EAFC277A-B983-45C2-8EAC-255371EE2B98}"/>
               </a:ext>
               <a:ext uri="{C183D7F6-B498-43B3-948B-1728B52AA6E4}">
-                <adec:decorative xmlns="" xmlns:adec="http://schemas.microsoft.com/office/drawing/2017/decorative" val="1"/>
+                <adec:decorative xmlns:adec="http://schemas.microsoft.com/office/drawing/2017/decorative" xmlns="" val="1"/>
               </a:ext>
             </a:extLst>
           </p:cNvPr>
@@ -13831,7 +13753,7 @@
                 <a16:creationId xmlns:a16="http://schemas.microsoft.com/office/drawing/2014/main" id="{932A9325-4DB4-4293-8AC4-1D5BD119FE42}"/>
               </a:ext>
               <a:ext uri="{C183D7F6-B498-43B3-948B-1728B52AA6E4}">
-                <adec:decorative xmlns="" xmlns:adec="http://schemas.microsoft.com/office/drawing/2017/decorative" val="1"/>
+                <adec:decorative xmlns:adec="http://schemas.microsoft.com/office/drawing/2017/decorative" xmlns="" val="1"/>
               </a:ext>
             </a:extLst>
           </p:cNvPr>
@@ -13890,7 +13812,7 @@
                 <a16:creationId xmlns:a16="http://schemas.microsoft.com/office/drawing/2014/main" id="{62C6CCAA-FA92-4CFE-B7F7-948358382E1F}"/>
               </a:ext>
               <a:ext uri="{C183D7F6-B498-43B3-948B-1728B52AA6E4}">
-                <adec:decorative xmlns="" xmlns:adec="http://schemas.microsoft.com/office/drawing/2017/decorative" val="1"/>
+                <adec:decorative xmlns:adec="http://schemas.microsoft.com/office/drawing/2017/decorative" xmlns="" val="1"/>
               </a:ext>
             </a:extLst>
           </p:cNvPr>
@@ -14163,7 +14085,7 @@
                   <a14:useLocalDpi xmlns:a14="http://schemas.microsoft.com/office/drawing/2010/main" val="0"/>
                 </a:ext>
                 <a:ext uri="{96DAC541-7B7A-43D3-8B79-37D633B846F1}">
-                  <asvg:svgBlip xmlns="" xmlns:asvg="http://schemas.microsoft.com/office/drawing/2016/SVG/main" r:embed="rId3"/>
+                  <asvg:svgBlip xmlns:asvg="http://schemas.microsoft.com/office/drawing/2016/SVG/main" xmlns="" r:embed="rId3"/>
                 </a:ext>
               </a:extLst>
             </a:blip>
@@ -14202,7 +14124,7 @@
                   <a14:useLocalDpi xmlns:a14="http://schemas.microsoft.com/office/drawing/2010/main" val="0"/>
                 </a:ext>
                 <a:ext uri="{96DAC541-7B7A-43D3-8B79-37D633B846F1}">
-                  <asvg:svgBlip xmlns="" xmlns:asvg="http://schemas.microsoft.com/office/drawing/2016/SVG/main" r:embed="rId3"/>
+                  <asvg:svgBlip xmlns:asvg="http://schemas.microsoft.com/office/drawing/2016/SVG/main" xmlns="" r:embed="rId3"/>
                 </a:ext>
               </a:extLst>
             </a:blip>
@@ -14241,7 +14163,7 @@
                   <a14:useLocalDpi xmlns:a14="http://schemas.microsoft.com/office/drawing/2010/main" val="0"/>
                 </a:ext>
                 <a:ext uri="{96DAC541-7B7A-43D3-8B79-37D633B846F1}">
-                  <asvg:svgBlip xmlns="" xmlns:asvg="http://schemas.microsoft.com/office/drawing/2016/SVG/main" r:embed="rId3"/>
+                  <asvg:svgBlip xmlns:asvg="http://schemas.microsoft.com/office/drawing/2016/SVG/main" xmlns="" r:embed="rId3"/>
                 </a:ext>
               </a:extLst>
             </a:blip>
@@ -14280,7 +14202,7 @@
                   <a14:useLocalDpi xmlns:a14="http://schemas.microsoft.com/office/drawing/2010/main" val="0"/>
                 </a:ext>
                 <a:ext uri="{96DAC541-7B7A-43D3-8B79-37D633B846F1}">
-                  <asvg:svgBlip xmlns="" xmlns:asvg="http://schemas.microsoft.com/office/drawing/2016/SVG/main" r:embed="rId3"/>
+                  <asvg:svgBlip xmlns:asvg="http://schemas.microsoft.com/office/drawing/2016/SVG/main" xmlns="" r:embed="rId3"/>
                 </a:ext>
               </a:extLst>
             </a:blip>
@@ -14959,7 +14881,7 @@
                     <a14:useLocalDpi xmlns:a14="http://schemas.microsoft.com/office/drawing/2010/main" val="0"/>
                   </a:ext>
                   <a:ext uri="{96DAC541-7B7A-43D3-8B79-37D633B846F1}">
-                    <asvg:svgBlip xmlns="" xmlns:asvg="http://schemas.microsoft.com/office/drawing/2016/SVG/main" r:embed="rId5"/>
+                    <asvg:svgBlip xmlns:asvg="http://schemas.microsoft.com/office/drawing/2016/SVG/main" xmlns="" r:embed="rId5"/>
                   </a:ext>
                 </a:extLst>
               </a:blip>
@@ -15073,7 +14995,7 @@
                     <a14:useLocalDpi xmlns:a14="http://schemas.microsoft.com/office/drawing/2010/main" val="0"/>
                   </a:ext>
                   <a:ext uri="{96DAC541-7B7A-43D3-8B79-37D633B846F1}">
-                    <asvg:svgBlip xmlns="" xmlns:asvg="http://schemas.microsoft.com/office/drawing/2016/SVG/main" r:embed="rId5"/>
+                    <asvg:svgBlip xmlns:asvg="http://schemas.microsoft.com/office/drawing/2016/SVG/main" xmlns="" r:embed="rId5"/>
                   </a:ext>
                 </a:extLst>
               </a:blip>
@@ -15187,7 +15109,7 @@
                     <a14:useLocalDpi xmlns:a14="http://schemas.microsoft.com/office/drawing/2010/main" val="0"/>
                   </a:ext>
                   <a:ext uri="{96DAC541-7B7A-43D3-8B79-37D633B846F1}">
-                    <asvg:svgBlip xmlns="" xmlns:asvg="http://schemas.microsoft.com/office/drawing/2016/SVG/main" r:embed="rId5"/>
+                    <asvg:svgBlip xmlns:asvg="http://schemas.microsoft.com/office/drawing/2016/SVG/main" xmlns="" r:embed="rId5"/>
                   </a:ext>
                 </a:extLst>
               </a:blip>
@@ -15301,7 +15223,7 @@
                     <a14:useLocalDpi xmlns:a14="http://schemas.microsoft.com/office/drawing/2010/main" val="0"/>
                   </a:ext>
                   <a:ext uri="{96DAC541-7B7A-43D3-8B79-37D633B846F1}">
-                    <asvg:svgBlip xmlns="" xmlns:asvg="http://schemas.microsoft.com/office/drawing/2016/SVG/main" r:embed="rId5"/>
+                    <asvg:svgBlip xmlns:asvg="http://schemas.microsoft.com/office/drawing/2016/SVG/main" xmlns="" r:embed="rId5"/>
                   </a:ext>
                 </a:extLst>
               </a:blip>
@@ -15329,7 +15251,7 @@
                 <a16:creationId xmlns:a16="http://schemas.microsoft.com/office/drawing/2014/main" id="{C5B19684-E84E-4C73-9C61-C42DFAB5EB9C}"/>
               </a:ext>
               <a:ext uri="{C183D7F6-B498-43B3-948B-1728B52AA6E4}">
-                <adec:decorative xmlns="" xmlns:adec="http://schemas.microsoft.com/office/drawing/2017/decorative" val="1"/>
+                <adec:decorative xmlns:adec="http://schemas.microsoft.com/office/drawing/2017/decorative" xmlns="" val="1"/>
               </a:ext>
             </a:extLst>
           </p:cNvPr>
@@ -15570,7 +15492,7 @@
             <a:blip r:embed="rId6">
               <a:extLst>
                 <a:ext uri="{96DAC541-7B7A-43D3-8B79-37D633B846F1}">
-                  <asvg:svgBlip xmlns="" xmlns:asvg="http://schemas.microsoft.com/office/drawing/2016/SVG/main" r:embed="rId7"/>
+                  <asvg:svgBlip xmlns:asvg="http://schemas.microsoft.com/office/drawing/2016/SVG/main" xmlns="" r:embed="rId7"/>
                 </a:ext>
               </a:extLst>
             </a:blip>
@@ -15606,7 +15528,7 @@
             <a:blip r:embed="rId8">
               <a:extLst>
                 <a:ext uri="{96DAC541-7B7A-43D3-8B79-37D633B846F1}">
-                  <asvg:svgBlip xmlns="" xmlns:asvg="http://schemas.microsoft.com/office/drawing/2016/SVG/main" r:embed="rId9"/>
+                  <asvg:svgBlip xmlns:asvg="http://schemas.microsoft.com/office/drawing/2016/SVG/main" xmlns="" r:embed="rId9"/>
                 </a:ext>
               </a:extLst>
             </a:blip>
@@ -16398,7 +16320,7 @@
         <p:spPr>
           <a:xfrm>
             <a:off x="571771" y="4603030"/>
-            <a:ext cx="3070453" cy="1077218"/>
+            <a:ext cx="3070453" cy="1323439"/>
           </a:xfrm>
           <a:prstGeom prst="rect">
             <a:avLst/>
@@ -16411,27 +16333,47 @@
           </a:bodyPr>
           <a:lstStyle/>
           <a:p>
-            <a:pPr marR="0" algn="ctr" defTabSz="457200" rtl="0" fontAlgn="auto" latinLnBrk="0" hangingPunct="0">
-              <a:lnSpc>
-                <a:spcPct val="100000"/>
-              </a:lnSpc>
-              <a:spcBef>
-                <a:spcPts val="0"/>
-              </a:spcBef>
-              <a:spcAft>
-                <a:spcPts val="0"/>
-              </a:spcAft>
-              <a:buClrTx/>
-              <a:buSzTx/>
-              <a:tabLst/>
-            </a:pPr>
-            <a:r>
-              <a:rPr lang="en-US" sz="1600" dirty="0"/>
-              <a:t>We don’t focus on individual skills; we want to upskill the entire team together</a:t>
-            </a:r>
-            <a:r>
-              <a:rPr lang="en-US" sz="1600" dirty="0" smtClean="0"/>
-              <a:t>. Business and IT, working together.</a:t>
+            <a:pPr algn="ctr" defTabSz="457200" hangingPunct="0"/>
+            <a:r>
+              <a:rPr lang="en-CA" sz="1600" dirty="0"/>
+              <a:t>The </a:t>
+            </a:r>
+            <a:r>
+              <a:rPr lang="en-CA" sz="1600" dirty="0" smtClean="0"/>
+              <a:t>Dojo is </a:t>
+            </a:r>
+            <a:r>
+              <a:rPr lang="en-CA" sz="1600" dirty="0"/>
+              <a:t>focused on delivery</a:t>
+            </a:r>
+          </a:p>
+          <a:p>
+            <a:pPr algn="ctr" defTabSz="457200" hangingPunct="0"/>
+            <a:r>
+              <a:rPr lang="en-CA" sz="1600" dirty="0"/>
+              <a:t>as a </a:t>
+            </a:r>
+            <a:r>
+              <a:rPr lang="en-CA" sz="1600" dirty="0" smtClean="0"/>
+              <a:t>team – business and IT. </a:t>
+            </a:r>
+            <a:r>
+              <a:rPr lang="en-CA" sz="1600" dirty="0"/>
+              <a:t>This builds trust, mutual</a:t>
+            </a:r>
+          </a:p>
+          <a:p>
+            <a:pPr algn="ctr" defTabSz="457200" hangingPunct="0"/>
+            <a:r>
+              <a:rPr lang="en-CA" sz="1600" dirty="0"/>
+              <a:t>understand, cohesion and</a:t>
+            </a:r>
+          </a:p>
+          <a:p>
+            <a:pPr algn="ctr" defTabSz="457200" hangingPunct="0"/>
+            <a:r>
+              <a:rPr lang="en-CA" sz="1600" dirty="0"/>
+              <a:t>collaboration.</a:t>
             </a:r>
             <a:endParaRPr lang="en-US" sz="1600" dirty="0"/>
           </a:p>
@@ -16722,7 +16664,7 @@
         </p:nvSpPr>
         <p:spPr>
           <a:xfrm>
-            <a:off x="4327480" y="4551474"/>
+            <a:off x="4375976" y="4646228"/>
             <a:ext cx="3446255" cy="1077218"/>
           </a:xfrm>
           <a:prstGeom prst="rect">
@@ -16736,24 +16678,41 @@
           </a:bodyPr>
           <a:lstStyle/>
           <a:p>
-            <a:pPr marR="0" algn="ctr" defTabSz="457200" rtl="0" fontAlgn="auto" latinLnBrk="0" hangingPunct="0">
-              <a:lnSpc>
-                <a:spcPct val="100000"/>
-              </a:lnSpc>
-              <a:spcBef>
-                <a:spcPts val="0"/>
-              </a:spcBef>
-              <a:spcAft>
-                <a:spcPts val="0"/>
-              </a:spcAft>
-              <a:buClrTx/>
-              <a:buSzTx/>
-              <a:tabLst/>
-            </a:pPr>
-            <a:r>
-              <a:rPr lang="en-US" sz="1600" dirty="0"/>
-              <a:t>We cater our experience to the reality of Government IT; we have a shared vocabulary, standards, and our team has experienced the unique blockers.</a:t>
-            </a:r>
+            <a:pPr algn="ctr" defTabSz="457200" hangingPunct="0"/>
+            <a:r>
+              <a:rPr lang="en-CA" sz="1600" dirty="0"/>
+              <a:t>A catered experienced based on</a:t>
+            </a:r>
+          </a:p>
+          <a:p>
+            <a:pPr algn="ctr" defTabSz="457200" hangingPunct="0"/>
+            <a:r>
+              <a:rPr lang="en-CA" sz="1600" dirty="0"/>
+              <a:t>realistic </a:t>
+            </a:r>
+            <a:r>
+              <a:rPr lang="en-CA" sz="1600" dirty="0" err="1"/>
+              <a:t>GoC</a:t>
+            </a:r>
+            <a:r>
+              <a:rPr lang="en-CA" sz="1600" dirty="0"/>
+              <a:t> practices – standards,</a:t>
+            </a:r>
+          </a:p>
+          <a:p>
+            <a:pPr algn="ctr" defTabSz="457200" hangingPunct="0"/>
+            <a:r>
+              <a:rPr lang="en-CA" sz="1600" dirty="0"/>
+              <a:t>languages and challenges with product</a:t>
+            </a:r>
+          </a:p>
+          <a:p>
+            <a:pPr algn="ctr" defTabSz="457200" hangingPunct="0"/>
+            <a:r>
+              <a:rPr lang="en-CA" sz="1600" dirty="0"/>
+              <a:t>delivery.</a:t>
+            </a:r>
+            <a:endParaRPr lang="en-US" sz="1600" dirty="0"/>
           </a:p>
         </p:txBody>
       </p:sp>
@@ -16862,7 +16821,7 @@
         </p:nvSpPr>
         <p:spPr>
           <a:xfrm>
-            <a:off x="8425180" y="4400007"/>
+            <a:off x="8425180" y="4602572"/>
             <a:ext cx="3360081" cy="1323439"/>
           </a:xfrm>
           <a:prstGeom prst="rect">
@@ -16916,7 +16875,7 @@
           <a:blip r:embed="rId3">
             <a:extLst>
               <a:ext uri="{96DAC541-7B7A-43D3-8B79-37D633B846F1}">
-                <asvg:svgBlip xmlns="" xmlns:asvg="http://schemas.microsoft.com/office/drawing/2016/SVG/main" r:embed="rId4"/>
+                <asvg:svgBlip xmlns:asvg="http://schemas.microsoft.com/office/drawing/2016/SVG/main" xmlns="" r:embed="rId4"/>
               </a:ext>
             </a:extLst>
           </a:blip>
@@ -16952,7 +16911,7 @@
           <a:blip r:embed="rId5">
             <a:extLst>
               <a:ext uri="{96DAC541-7B7A-43D3-8B79-37D633B846F1}">
-                <asvg:svgBlip xmlns="" xmlns:asvg="http://schemas.microsoft.com/office/drawing/2016/SVG/main" r:embed="rId6"/>
+                <asvg:svgBlip xmlns:asvg="http://schemas.microsoft.com/office/drawing/2016/SVG/main" xmlns="" r:embed="rId6"/>
               </a:ext>
             </a:extLst>
           </a:blip>
@@ -16988,7 +16947,7 @@
           <a:blip r:embed="rId7">
             <a:extLst>
               <a:ext uri="{96DAC541-7B7A-43D3-8B79-37D633B846F1}">
-                <asvg:svgBlip xmlns="" xmlns:asvg="http://schemas.microsoft.com/office/drawing/2016/SVG/main" r:embed="rId8"/>
+                <asvg:svgBlip xmlns:asvg="http://schemas.microsoft.com/office/drawing/2016/SVG/main" xmlns="" r:embed="rId8"/>
               </a:ext>
             </a:extLst>
           </a:blip>
@@ -17160,8 +17119,8 @@
         </p:nvSpPr>
         <p:spPr>
           <a:xfrm>
-            <a:off x="382472" y="1003276"/>
-            <a:ext cx="3838162" cy="2032024"/>
+            <a:off x="317157" y="373233"/>
+            <a:ext cx="5038613" cy="2032024"/>
           </a:xfrm>
           <a:prstGeom prst="rect">
             <a:avLst/>
@@ -17233,8 +17192,41 @@
                 <a:cs typeface="+mn-cs"/>
                 <a:sym typeface="Calibri"/>
               </a:rPr>
-              <a:t>Who should consider the Dojo?</a:t>
-            </a:r>
+              <a:t>Who should consider the </a:t>
+            </a:r>
+            <a:r>
+              <a:rPr kumimoji="0" lang="en-US" sz="4400" b="1" i="0" u="none" strike="noStrike" kern="1200" cap="none" spc="0" normalizeH="0" baseline="0" noProof="0" dirty="0" smtClean="0">
+                <a:ln>
+                  <a:noFill/>
+                </a:ln>
+                <a:solidFill>
+                  <a:schemeClr val="bg1"/>
+                </a:solidFill>
+                <a:effectLst/>
+                <a:uLnTx/>
+                <a:uFillTx/>
+                <a:latin typeface="Century Gothic" panose="020B0502020202020204" pitchFamily="34" charset="0"/>
+                <a:ea typeface="+mn-ea"/>
+                <a:cs typeface="+mn-cs"/>
+                <a:sym typeface="Calibri"/>
+              </a:rPr>
+              <a:t>Dojo for their team?</a:t>
+            </a:r>
+            <a:endParaRPr kumimoji="0" lang="en-US" sz="4400" b="1" i="0" u="none" strike="noStrike" kern="1200" cap="none" spc="0" normalizeH="0" baseline="0" noProof="0" dirty="0">
+              <a:ln>
+                <a:noFill/>
+              </a:ln>
+              <a:solidFill>
+                <a:schemeClr val="bg1"/>
+              </a:solidFill>
+              <a:effectLst/>
+              <a:uLnTx/>
+              <a:uFillTx/>
+              <a:latin typeface="Century Gothic" panose="020B0502020202020204" pitchFamily="34" charset="0"/>
+              <a:ea typeface="+mn-ea"/>
+              <a:cs typeface="+mn-cs"/>
+              <a:sym typeface="Calibri"/>
+            </a:endParaRPr>
           </a:p>
         </p:txBody>
       </p:sp>
@@ -17252,8 +17244,8 @@
         </p:nvSpPr>
         <p:spPr>
           <a:xfrm>
-            <a:off x="431800" y="3374936"/>
-            <a:ext cx="4669367" cy="2308324"/>
+            <a:off x="466273" y="5225507"/>
+            <a:ext cx="4669367" cy="1200329"/>
           </a:xfrm>
           <a:prstGeom prst="rect">
             <a:avLst/>
@@ -17266,25 +17258,9 @@
           </a:bodyPr>
           <a:lstStyle/>
           <a:p>
-            <a:r>
-              <a:rPr lang="en-US" sz="2400" dirty="0">
-                <a:solidFill>
-                  <a:schemeClr val="bg1"/>
-                </a:solidFill>
-              </a:rPr>
-              <a:t>As much as we want to, we won’t be able to help everyone.</a:t>
-            </a:r>
-          </a:p>
-          <a:p>
-            <a:endParaRPr lang="en-US" sz="2400" dirty="0">
-              <a:solidFill>
-                <a:schemeClr val="bg1"/>
-              </a:solidFill>
-            </a:endParaRPr>
-          </a:p>
-          <a:p>
-            <a:r>
-              <a:rPr lang="en-US" sz="2400" dirty="0">
+            <a:pPr algn="ctr"/>
+            <a:r>
+              <a:rPr lang="en-US" sz="2400" dirty="0" smtClean="0">
                 <a:solidFill>
                   <a:schemeClr val="bg1"/>
                 </a:solidFill>
@@ -17708,6 +17684,117 @@
           </p:sp>
         </p:grpSp>
       </p:grpSp>
+      <p:sp>
+        <p:nvSpPr>
+          <p:cNvPr id="2" name="Rectangle 1"/>
+          <p:cNvSpPr/>
+          <p:nvPr/>
+        </p:nvSpPr>
+        <p:spPr>
+          <a:xfrm>
+            <a:off x="178359" y="3343932"/>
+            <a:ext cx="4943020" cy="1200329"/>
+          </a:xfrm>
+          <a:prstGeom prst="rect">
+            <a:avLst/>
+          </a:prstGeom>
+        </p:spPr>
+        <p:txBody>
+          <a:bodyPr wrap="none">
+            <a:spAutoFit/>
+          </a:bodyPr>
+          <a:lstStyle/>
+          <a:p>
+            <a:pPr algn="ctr"/>
+            <a:r>
+              <a:rPr lang="en-US" b="1" dirty="0">
+                <a:solidFill>
+                  <a:schemeClr val="bg1"/>
+                </a:solidFill>
+              </a:rPr>
+              <a:t>Change </a:t>
+            </a:r>
+            <a:r>
+              <a:rPr lang="en-US" b="1" dirty="0" smtClean="0">
+                <a:solidFill>
+                  <a:schemeClr val="bg1"/>
+                </a:solidFill>
+              </a:rPr>
+              <a:t>Agents at all levels</a:t>
+            </a:r>
+            <a:r>
+              <a:rPr lang="en-US" dirty="0" smtClean="0">
+                <a:solidFill>
+                  <a:schemeClr val="bg1"/>
+                </a:solidFill>
+              </a:rPr>
+              <a:t/>
+            </a:r>
+            <a:br>
+              <a:rPr lang="en-US" dirty="0" smtClean="0">
+                <a:solidFill>
+                  <a:schemeClr val="bg1"/>
+                </a:solidFill>
+              </a:rPr>
+            </a:br>
+            <a:r>
+              <a:rPr lang="en-US" dirty="0" smtClean="0">
+                <a:solidFill>
+                  <a:schemeClr val="bg1"/>
+                </a:solidFill>
+              </a:rPr>
+              <a:t>Operators – Directors  – </a:t>
+            </a:r>
+            <a:r>
+              <a:rPr lang="en-US" dirty="0">
+                <a:solidFill>
+                  <a:schemeClr val="bg1"/>
+                </a:solidFill>
+              </a:rPr>
+              <a:t>Managers </a:t>
+            </a:r>
+            <a:r>
+              <a:rPr lang="en-US" dirty="0" smtClean="0">
+                <a:solidFill>
+                  <a:schemeClr val="bg1"/>
+                </a:solidFill>
+              </a:rPr>
+              <a:t>– Developers</a:t>
+            </a:r>
+            <a:br>
+              <a:rPr lang="en-US" dirty="0" smtClean="0">
+                <a:solidFill>
+                  <a:schemeClr val="bg1"/>
+                </a:solidFill>
+              </a:rPr>
+            </a:br>
+            <a:r>
+              <a:rPr lang="en-US" dirty="0" smtClean="0">
+                <a:solidFill>
+                  <a:schemeClr val="bg1"/>
+                </a:solidFill>
+              </a:rPr>
+              <a:t>Product Managers – Product Owners – Team Leads</a:t>
+            </a:r>
+          </a:p>
+          <a:p>
+            <a:pPr algn="ctr"/>
+            <a:r>
+              <a:rPr lang="en-US" dirty="0" smtClean="0">
+                <a:solidFill>
+                  <a:schemeClr val="bg1"/>
+                </a:solidFill>
+              </a:rPr>
+              <a:t>Business Leads - ?</a:t>
+            </a:r>
+            <a:endParaRPr lang="en-US" dirty="0">
+              <a:solidFill>
+                <a:schemeClr val="bg1"/>
+              </a:solidFill>
+            </a:endParaRPr>
+          </a:p>
+        </p:txBody>
+      </p:sp>
     </p:spTree>
     <p:extLst>
       <p:ext uri="{BB962C8B-B14F-4D97-AF65-F5344CB8AC3E}">
@@ -17868,8 +17955,8 @@
         </p:nvSpPr>
         <p:spPr>
           <a:xfrm>
-            <a:off x="75896" y="1421762"/>
-            <a:ext cx="2926080" cy="5188588"/>
+            <a:off x="79135" y="2140219"/>
+            <a:ext cx="2926080" cy="3346181"/>
           </a:xfrm>
           <a:prstGeom prst="roundRect">
             <a:avLst/>
@@ -17924,7 +18011,7 @@
         </p:nvSpPr>
         <p:spPr>
           <a:xfrm>
-            <a:off x="638878" y="3919154"/>
+            <a:off x="642117" y="4637611"/>
             <a:ext cx="1800116" cy="461663"/>
           </a:xfrm>
           <a:prstGeom prst="rect">
@@ -18020,7 +18107,7 @@
         </p:nvGrpSpPr>
         <p:grpSpPr>
           <a:xfrm>
-            <a:off x="450732" y="1586152"/>
+            <a:off x="453971" y="2304609"/>
             <a:ext cx="2176408" cy="2176408"/>
             <a:chOff x="582575" y="1586152"/>
             <a:chExt cx="2176408" cy="2176408"/>
@@ -18098,7 +18185,7 @@
             <a:blip r:embed="rId3">
               <a:extLst>
                 <a:ext uri="{96DAC541-7B7A-43D3-8B79-37D633B846F1}">
-                  <asvg:svgBlip xmlns="" xmlns:asvg="http://schemas.microsoft.com/office/drawing/2016/SVG/main" r:embed="rId4"/>
+                  <asvg:svgBlip xmlns:asvg="http://schemas.microsoft.com/office/drawing/2016/SVG/main" xmlns="" r:embed="rId4"/>
                 </a:ext>
               </a:extLst>
             </a:blip>
@@ -18131,8 +18218,8 @@
         </p:nvSpPr>
         <p:spPr>
           <a:xfrm>
-            <a:off x="3112032" y="1415074"/>
-            <a:ext cx="2926080" cy="5188588"/>
+            <a:off x="3115271" y="2133531"/>
+            <a:ext cx="2926080" cy="3352869"/>
           </a:xfrm>
           <a:prstGeom prst="roundRect">
             <a:avLst/>
@@ -18175,10 +18262,10 @@
       </p:sp>
       <p:sp>
         <p:nvSpPr>
-          <p:cNvPr id="20" name="TextBox 19">
+          <p:cNvPr id="10" name="TextBox 9">
             <a:extLst>
               <a:ext uri="{FF2B5EF4-FFF2-40B4-BE49-F238E27FC236}">
-                <a16:creationId xmlns:a16="http://schemas.microsoft.com/office/drawing/2014/main" id="{2ED31BC6-E7F3-466A-A251-109F7B65F171}"/>
+                <a16:creationId xmlns:a16="http://schemas.microsoft.com/office/drawing/2014/main" id="{4371452E-9AE4-4B46-8E10-1D42621C91BA}"/>
               </a:ext>
             </a:extLst>
           </p:cNvPr>
@@ -18187,123 +18274,7 @@
         </p:nvSpPr>
         <p:spPr>
           <a:xfrm>
-            <a:off x="3188431" y="4491514"/>
-            <a:ext cx="2847394" cy="892552"/>
-          </a:xfrm>
-          <a:prstGeom prst="rect">
-            <a:avLst/>
-          </a:prstGeom>
-          <a:noFill/>
-        </p:spPr>
-        <p:txBody>
-          <a:bodyPr wrap="square">
-            <a:spAutoFit/>
-          </a:bodyPr>
-          <a:lstStyle/>
-          <a:p>
-            <a:pPr marL="285750" marR="0" indent="-285750" algn="l" defTabSz="457200" rtl="0" fontAlgn="auto" latinLnBrk="0" hangingPunct="0">
-              <a:spcBef>
-                <a:spcPts val="0"/>
-              </a:spcBef>
-              <a:spcAft>
-                <a:spcPts val="600"/>
-              </a:spcAft>
-              <a:buClrTx/>
-              <a:buSzTx/>
-              <a:buFont typeface="Arial" panose="020B0604020202020204" pitchFamily="34" charset="0"/>
-              <a:buChar char="•"/>
-              <a:tabLst/>
-            </a:pPr>
-            <a:r>
-              <a:rPr kumimoji="0" lang="en-US" sz="1400" b="0" i="0" u="none" strike="noStrike" cap="none" spc="0" normalizeH="0" baseline="0" dirty="0">
-                <a:ln>
-                  <a:noFill/>
-                </a:ln>
-                <a:solidFill>
-                  <a:schemeClr val="tx1">
-                    <a:lumMod val="65000"/>
-                    <a:lumOff val="35000"/>
-                  </a:schemeClr>
-                </a:solidFill>
-                <a:effectLst/>
-                <a:uFillTx/>
-                <a:latin typeface="+mn-lt"/>
-                <a:ea typeface="+mn-ea"/>
-                <a:cs typeface="+mn-cs"/>
-                <a:sym typeface="Calibri"/>
-              </a:rPr>
-              <a:t>Assemble the team</a:t>
-            </a:r>
-          </a:p>
-          <a:p>
-            <a:pPr marL="285750" marR="0" indent="-285750" algn="l" defTabSz="457200" rtl="0" fontAlgn="auto" latinLnBrk="0" hangingPunct="0">
-              <a:spcBef>
-                <a:spcPts val="0"/>
-              </a:spcBef>
-              <a:spcAft>
-                <a:spcPts val="600"/>
-              </a:spcAft>
-              <a:buClrTx/>
-              <a:buSzTx/>
-              <a:buFont typeface="Arial" panose="020B0604020202020204" pitchFamily="34" charset="0"/>
-              <a:buChar char="•"/>
-              <a:tabLst/>
-            </a:pPr>
-            <a:r>
-              <a:rPr lang="en-US" sz="1400" dirty="0">
-                <a:solidFill>
-                  <a:schemeClr val="tx1">
-                    <a:lumMod val="65000"/>
-                    <a:lumOff val="35000"/>
-                  </a:schemeClr>
-                </a:solidFill>
-              </a:rPr>
-              <a:t>Solidify the objective</a:t>
-            </a:r>
-          </a:p>
-          <a:p>
-            <a:pPr marL="285750" marR="0" indent="-285750" algn="l" defTabSz="457200" rtl="0" fontAlgn="auto" latinLnBrk="0" hangingPunct="0">
-              <a:spcBef>
-                <a:spcPts val="0"/>
-              </a:spcBef>
-              <a:spcAft>
-                <a:spcPts val="0"/>
-              </a:spcAft>
-              <a:buClrTx/>
-              <a:buSzTx/>
-              <a:buFont typeface="Arial" panose="020B0604020202020204" pitchFamily="34" charset="0"/>
-              <a:buChar char="•"/>
-              <a:tabLst/>
-            </a:pPr>
-            <a:r>
-              <a:rPr lang="en-US" sz="1400" dirty="0">
-                <a:solidFill>
-                  <a:schemeClr val="tx1">
-                    <a:lumMod val="65000"/>
-                    <a:lumOff val="35000"/>
-                  </a:schemeClr>
-                </a:solidFill>
-              </a:rPr>
-              <a:t>Pre-Dojo training</a:t>
-            </a:r>
-          </a:p>
-        </p:txBody>
-      </p:sp>
-      <p:sp>
-        <p:nvSpPr>
-          <p:cNvPr id="10" name="TextBox 9">
-            <a:extLst>
-              <a:ext uri="{FF2B5EF4-FFF2-40B4-BE49-F238E27FC236}">
-                <a16:creationId xmlns:a16="http://schemas.microsoft.com/office/drawing/2014/main" id="{4371452E-9AE4-4B46-8E10-1D42621C91BA}"/>
-              </a:ext>
-            </a:extLst>
-          </p:cNvPr>
-          <p:cNvSpPr txBox="1"/>
-          <p:nvPr/>
-        </p:nvSpPr>
-        <p:spPr>
-          <a:xfrm>
-            <a:off x="3486868" y="3919154"/>
+            <a:off x="3490107" y="4637611"/>
             <a:ext cx="2176408" cy="461663"/>
           </a:xfrm>
           <a:prstGeom prst="rect">
@@ -18399,7 +18370,7 @@
         </p:nvGrpSpPr>
         <p:grpSpPr>
           <a:xfrm>
-            <a:off x="3486868" y="1586152"/>
+            <a:off x="3490107" y="2304609"/>
             <a:ext cx="2176408" cy="2176408"/>
             <a:chOff x="3558048" y="1586152"/>
             <a:chExt cx="2176408" cy="2176408"/>
@@ -18477,7 +18448,7 @@
             <a:blip r:embed="rId5">
               <a:extLst>
                 <a:ext uri="{96DAC541-7B7A-43D3-8B79-37D633B846F1}">
-                  <asvg:svgBlip xmlns="" xmlns:asvg="http://schemas.microsoft.com/office/drawing/2016/SVG/main" r:embed="rId6"/>
+                  <asvg:svgBlip xmlns:asvg="http://schemas.microsoft.com/office/drawing/2016/SVG/main" xmlns="" r:embed="rId6"/>
                 </a:ext>
               </a:extLst>
             </a:blip>
@@ -18510,8 +18481,8 @@
         </p:nvSpPr>
         <p:spPr>
           <a:xfrm>
-            <a:off x="9184304" y="1415074"/>
-            <a:ext cx="2926080" cy="5188588"/>
+            <a:off x="9187543" y="2133531"/>
+            <a:ext cx="2926080" cy="3352869"/>
           </a:xfrm>
           <a:prstGeom prst="roundRect">
             <a:avLst/>
@@ -18554,10 +18525,10 @@
       </p:sp>
       <p:sp>
         <p:nvSpPr>
-          <p:cNvPr id="24" name="TextBox 23">
+          <p:cNvPr id="12" name="TextBox 11">
             <a:extLst>
               <a:ext uri="{FF2B5EF4-FFF2-40B4-BE49-F238E27FC236}">
-                <a16:creationId xmlns:a16="http://schemas.microsoft.com/office/drawing/2014/main" id="{8A048FFB-2BCE-4626-BA80-FD3489AB933D}"/>
+                <a16:creationId xmlns:a16="http://schemas.microsoft.com/office/drawing/2014/main" id="{E92CDD6A-D4F4-44DC-943F-78B66B3AA933}"/>
               </a:ext>
             </a:extLst>
           </p:cNvPr>
@@ -18566,123 +18537,7 @@
         </p:nvSpPr>
         <p:spPr>
           <a:xfrm>
-            <a:off x="9258898" y="4491514"/>
-            <a:ext cx="2851485" cy="1754326"/>
-          </a:xfrm>
-          <a:prstGeom prst="rect">
-            <a:avLst/>
-          </a:prstGeom>
-          <a:noFill/>
-        </p:spPr>
-        <p:txBody>
-          <a:bodyPr wrap="square">
-            <a:spAutoFit/>
-          </a:bodyPr>
-          <a:lstStyle/>
-          <a:p>
-            <a:pPr marL="285750" indent="-285750">
-              <a:spcAft>
-                <a:spcPts val="600"/>
-              </a:spcAft>
-              <a:buFont typeface="Arial" panose="020B0604020202020204" pitchFamily="34" charset="0"/>
-              <a:buChar char="•"/>
-            </a:pPr>
-            <a:r>
-              <a:rPr lang="en-US" sz="1400" dirty="0">
-                <a:solidFill>
-                  <a:schemeClr val="tx1">
-                    <a:lumMod val="65000"/>
-                    <a:lumOff val="35000"/>
-                  </a:schemeClr>
-                </a:solidFill>
-              </a:rPr>
-              <a:t>Receive recommendations on the way forward</a:t>
-            </a:r>
-          </a:p>
-          <a:p>
-            <a:pPr marL="285750" indent="-285750">
-              <a:spcAft>
-                <a:spcPts val="600"/>
-              </a:spcAft>
-              <a:buFont typeface="Arial" panose="020B0604020202020204" pitchFamily="34" charset="0"/>
-              <a:buChar char="•"/>
-            </a:pPr>
-            <a:r>
-              <a:rPr lang="en-US" sz="1400" kern="1200" dirty="0" smtClean="0">
-                <a:solidFill>
-                  <a:schemeClr val="tx1">
-                    <a:lumMod val="65000"/>
-                    <a:lumOff val="35000"/>
-                  </a:schemeClr>
-                </a:solidFill>
-              </a:rPr>
-              <a:t>Share our  products, experiences and resources in the open</a:t>
-            </a:r>
-            <a:endParaRPr lang="en-US" sz="1400" kern="1200" dirty="0">
-              <a:solidFill>
-                <a:schemeClr val="tx1">
-                  <a:lumMod val="65000"/>
-                  <a:lumOff val="35000"/>
-                </a:schemeClr>
-              </a:solidFill>
-            </a:endParaRPr>
-          </a:p>
-          <a:p>
-            <a:pPr marL="285750" indent="-285750">
-              <a:buFont typeface="Arial" panose="020B0604020202020204" pitchFamily="34" charset="0"/>
-              <a:buChar char="•"/>
-            </a:pPr>
-            <a:r>
-              <a:rPr lang="en-US" sz="1400" dirty="0" smtClean="0">
-                <a:solidFill>
-                  <a:schemeClr val="tx1">
-                    <a:lumMod val="65000"/>
-                    <a:lumOff val="35000"/>
-                  </a:schemeClr>
-                </a:solidFill>
-              </a:rPr>
-              <a:t>T</a:t>
-            </a:r>
-            <a:r>
-              <a:rPr lang="en-US" sz="1400" kern="1200" dirty="0" smtClean="0">
-                <a:solidFill>
-                  <a:schemeClr val="tx1">
-                    <a:lumMod val="65000"/>
-                    <a:lumOff val="35000"/>
-                  </a:schemeClr>
-                </a:solidFill>
-              </a:rPr>
-              <a:t>he </a:t>
-            </a:r>
-            <a:r>
-              <a:rPr lang="en-US" sz="1400" kern="1200" dirty="0">
-                <a:solidFill>
-                  <a:schemeClr val="tx1">
-                    <a:lumMod val="65000"/>
-                    <a:lumOff val="35000"/>
-                  </a:schemeClr>
-                </a:solidFill>
-              </a:rPr>
-              <a:t>Dojo practice never ends, it can continue and be used into everyday use</a:t>
-            </a:r>
-          </a:p>
-        </p:txBody>
-      </p:sp>
-      <p:sp>
-        <p:nvSpPr>
-          <p:cNvPr id="12" name="TextBox 11">
-            <a:extLst>
-              <a:ext uri="{FF2B5EF4-FFF2-40B4-BE49-F238E27FC236}">
-                <a16:creationId xmlns:a16="http://schemas.microsoft.com/office/drawing/2014/main" id="{E92CDD6A-D4F4-44DC-943F-78B66B3AA933}"/>
-              </a:ext>
-            </a:extLst>
-          </p:cNvPr>
-          <p:cNvSpPr txBox="1"/>
-          <p:nvPr/>
-        </p:nvSpPr>
-        <p:spPr>
-          <a:xfrm>
-            <a:off x="9747286" y="3919154"/>
+            <a:off x="9750525" y="4637611"/>
             <a:ext cx="1800116" cy="461663"/>
           </a:xfrm>
           <a:prstGeom prst="rect">
@@ -18778,7 +18633,7 @@
         </p:nvGrpSpPr>
         <p:grpSpPr>
           <a:xfrm>
-            <a:off x="9559140" y="1586152"/>
+            <a:off x="9562379" y="2304609"/>
             <a:ext cx="2176408" cy="2176408"/>
             <a:chOff x="9328554" y="1586152"/>
             <a:chExt cx="2176408" cy="2176408"/>
@@ -18856,7 +18711,7 @@
             <a:blip r:embed="rId7">
               <a:extLst>
                 <a:ext uri="{96DAC541-7B7A-43D3-8B79-37D633B846F1}">
-                  <asvg:svgBlip xmlns="" xmlns:asvg="http://schemas.microsoft.com/office/drawing/2016/SVG/main" r:embed="rId8"/>
+                  <asvg:svgBlip xmlns:asvg="http://schemas.microsoft.com/office/drawing/2016/SVG/main" xmlns="" r:embed="rId8"/>
                 </a:ext>
               </a:extLst>
             </a:blip>
@@ -18889,7 +18744,7 @@
         </p:nvSpPr>
         <p:spPr>
           <a:xfrm>
-            <a:off x="2795402" y="3445881"/>
+            <a:off x="2798641" y="4164338"/>
             <a:ext cx="670645" cy="523218"/>
           </a:xfrm>
           <a:prstGeom prst="rightArrow">
@@ -18946,8 +18801,8 @@
         </p:nvSpPr>
         <p:spPr>
           <a:xfrm>
-            <a:off x="6147854" y="1415074"/>
-            <a:ext cx="2926080" cy="5188588"/>
+            <a:off x="6151093" y="2133531"/>
+            <a:ext cx="2926080" cy="3352869"/>
           </a:xfrm>
           <a:prstGeom prst="roundRect">
             <a:avLst/>
@@ -18990,10 +18845,10 @@
       </p:sp>
       <p:sp>
         <p:nvSpPr>
-          <p:cNvPr id="22" name="TextBox 21">
+          <p:cNvPr id="11" name="TextBox 10">
             <a:extLst>
               <a:ext uri="{FF2B5EF4-FFF2-40B4-BE49-F238E27FC236}">
-                <a16:creationId xmlns:a16="http://schemas.microsoft.com/office/drawing/2014/main" id="{D0BC9785-98A3-4BAA-B59D-808D853B3BE8}"/>
+                <a16:creationId xmlns:a16="http://schemas.microsoft.com/office/drawing/2014/main" id="{F28BC1FB-9E8F-4211-939A-D9F9BCF60457}"/>
               </a:ext>
             </a:extLst>
           </p:cNvPr>
@@ -19002,146 +18857,7 @@
         </p:nvSpPr>
         <p:spPr>
           <a:xfrm>
-            <a:off x="6235013" y="4491514"/>
-            <a:ext cx="2834662" cy="1859420"/>
-          </a:xfrm>
-          <a:prstGeom prst="rect">
-            <a:avLst/>
-          </a:prstGeom>
-          <a:noFill/>
-        </p:spPr>
-        <p:txBody>
-          <a:bodyPr wrap="square">
-            <a:spAutoFit/>
-          </a:bodyPr>
-          <a:lstStyle/>
-          <a:p>
-            <a:pPr marL="285750" marR="0" indent="-285750" algn="l" defTabSz="457200" rtl="0" fontAlgn="auto" latinLnBrk="0" hangingPunct="0">
-              <a:spcBef>
-                <a:spcPts val="0"/>
-              </a:spcBef>
-              <a:spcAft>
-                <a:spcPts val="0"/>
-              </a:spcAft>
-              <a:buClrTx/>
-              <a:buSzTx/>
-              <a:buFont typeface="Arial" panose="020B0604020202020204" pitchFamily="34" charset="0"/>
-              <a:buChar char="•"/>
-              <a:tabLst/>
-            </a:pPr>
-            <a:r>
-              <a:rPr lang="en-US" sz="1400" dirty="0">
-                <a:solidFill>
-                  <a:schemeClr val="tx1">
-                    <a:lumMod val="65000"/>
-                    <a:lumOff val="35000"/>
-                  </a:schemeClr>
-                </a:solidFill>
-              </a:rPr>
-              <a:t>6 week of hands-on work towards objective</a:t>
-            </a:r>
-          </a:p>
-          <a:p>
-            <a:pPr marL="285750" marR="0" indent="-285750" algn="l" defTabSz="457200" rtl="0" fontAlgn="auto" latinLnBrk="0" hangingPunct="0">
-              <a:lnSpc>
-                <a:spcPct val="150000"/>
-              </a:lnSpc>
-              <a:spcBef>
-                <a:spcPts val="0"/>
-              </a:spcBef>
-              <a:spcAft>
-                <a:spcPts val="300"/>
-              </a:spcAft>
-              <a:buClrTx/>
-              <a:buSzTx/>
-              <a:buFont typeface="Arial" panose="020B0604020202020204" pitchFamily="34" charset="0"/>
-              <a:buChar char="•"/>
-              <a:tabLst/>
-            </a:pPr>
-            <a:r>
-              <a:rPr lang="en-US" sz="1400" dirty="0">
-                <a:solidFill>
-                  <a:schemeClr val="tx1">
-                    <a:lumMod val="65000"/>
-                    <a:lumOff val="35000"/>
-                  </a:schemeClr>
-                </a:solidFill>
-              </a:rPr>
-              <a:t>Take the team from crawl to run </a:t>
-            </a:r>
-          </a:p>
-          <a:p>
-            <a:pPr marL="285750" marR="0" indent="-285750" algn="l" defTabSz="457200" rtl="0" fontAlgn="auto" latinLnBrk="0" hangingPunct="0">
-              <a:spcBef>
-                <a:spcPts val="0"/>
-              </a:spcBef>
-              <a:spcAft>
-                <a:spcPts val="300"/>
-              </a:spcAft>
-              <a:buClrTx/>
-              <a:buSzTx/>
-              <a:buFont typeface="Arial" panose="020B0604020202020204" pitchFamily="34" charset="0"/>
-              <a:buChar char="•"/>
-              <a:tabLst/>
-            </a:pPr>
-            <a:r>
-              <a:rPr lang="en-US" sz="1400" dirty="0">
-                <a:solidFill>
-                  <a:schemeClr val="tx1">
-                    <a:lumMod val="65000"/>
-                    <a:lumOff val="35000"/>
-                  </a:schemeClr>
-                </a:solidFill>
-              </a:rPr>
-              <a:t>Spaced repetition and opportunity for repeated practice</a:t>
-            </a:r>
-          </a:p>
-          <a:p>
-            <a:pPr marL="285750" marR="0" indent="-285750" algn="l" defTabSz="457200" rtl="0" fontAlgn="auto" latinLnBrk="0" hangingPunct="0">
-              <a:lnSpc>
-                <a:spcPct val="150000"/>
-              </a:lnSpc>
-              <a:spcBef>
-                <a:spcPts val="0"/>
-              </a:spcBef>
-              <a:spcAft>
-                <a:spcPts val="0"/>
-              </a:spcAft>
-              <a:buClrTx/>
-              <a:buSzTx/>
-              <a:buFont typeface="Arial" panose="020B0604020202020204" pitchFamily="34" charset="0"/>
-              <a:buChar char="•"/>
-              <a:tabLst/>
-            </a:pPr>
-            <a:r>
-              <a:rPr lang="en-US" sz="1400" dirty="0">
-                <a:solidFill>
-                  <a:schemeClr val="tx1">
-                    <a:lumMod val="65000"/>
-                    <a:lumOff val="35000"/>
-                  </a:schemeClr>
-                </a:solidFill>
-              </a:rPr>
-              <a:t>Safe-to-fail learning</a:t>
-            </a:r>
-          </a:p>
-        </p:txBody>
-      </p:sp>
-      <p:sp>
-        <p:nvSpPr>
-          <p:cNvPr id="11" name="TextBox 10">
-            <a:extLst>
-              <a:ext uri="{FF2B5EF4-FFF2-40B4-BE49-F238E27FC236}">
-                <a16:creationId xmlns:a16="http://schemas.microsoft.com/office/drawing/2014/main" id="{F28BC1FB-9E8F-4211-939A-D9F9BCF60457}"/>
-              </a:ext>
-            </a:extLst>
-          </p:cNvPr>
-          <p:cNvSpPr txBox="1"/>
-          <p:nvPr/>
-        </p:nvSpPr>
-        <p:spPr>
-          <a:xfrm>
-            <a:off x="6193564" y="3929868"/>
+            <a:off x="6196803" y="4648325"/>
             <a:ext cx="2834661" cy="461663"/>
           </a:xfrm>
           <a:prstGeom prst="rect">
@@ -19229,7 +18945,7 @@
         </p:nvGrpSpPr>
         <p:grpSpPr>
           <a:xfrm>
-            <a:off x="6522690" y="1586152"/>
+            <a:off x="6525929" y="2304609"/>
             <a:ext cx="2176408" cy="2176408"/>
             <a:chOff x="6425571" y="1586152"/>
             <a:chExt cx="2176408" cy="2176408"/>
@@ -19307,7 +19023,7 @@
             <a:blip r:embed="rId9">
               <a:extLst>
                 <a:ext uri="{96DAC541-7B7A-43D3-8B79-37D633B846F1}">
-                  <asvg:svgBlip xmlns="" xmlns:asvg="http://schemas.microsoft.com/office/drawing/2016/SVG/main" r:embed="rId10"/>
+                  <asvg:svgBlip xmlns:asvg="http://schemas.microsoft.com/office/drawing/2016/SVG/main" xmlns="" r:embed="rId10"/>
                 </a:ext>
               </a:extLst>
             </a:blip>
@@ -19340,7 +19056,7 @@
         </p:nvSpPr>
         <p:spPr>
           <a:xfrm>
-            <a:off x="5830022" y="3500951"/>
+            <a:off x="5833261" y="4219408"/>
             <a:ext cx="670645" cy="523218"/>
           </a:xfrm>
           <a:prstGeom prst="rightArrow">
@@ -19397,7 +19113,7 @@
         </p:nvSpPr>
         <p:spPr>
           <a:xfrm>
-            <a:off x="8847728" y="3448911"/>
+            <a:off x="8850967" y="4167368"/>
             <a:ext cx="670645" cy="523218"/>
           </a:xfrm>
           <a:prstGeom prst="rightArrow">
@@ -19753,7 +19469,7 @@
             <a:blip r:embed="rId3">
               <a:extLst>
                 <a:ext uri="{96DAC541-7B7A-43D3-8B79-37D633B846F1}">
-                  <asvg:svgBlip xmlns="" xmlns:asvg="http://schemas.microsoft.com/office/drawing/2016/SVG/main" r:embed="rId4"/>
+                  <asvg:svgBlip xmlns:asvg="http://schemas.microsoft.com/office/drawing/2016/SVG/main" xmlns="" r:embed="rId4"/>
                 </a:ext>
               </a:extLst>
             </a:blip>
@@ -20294,7 +20010,7 @@
             <a:blip r:embed="rId3">
               <a:extLst>
                 <a:ext uri="{96DAC541-7B7A-43D3-8B79-37D633B846F1}">
-                  <asvg:svgBlip xmlns="" xmlns:asvg="http://schemas.microsoft.com/office/drawing/2016/SVG/main" r:embed="rId4"/>
+                  <asvg:svgBlip xmlns:asvg="http://schemas.microsoft.com/office/drawing/2016/SVG/main" xmlns="" r:embed="rId4"/>
                 </a:ext>
               </a:extLst>
             </a:blip>
